--- a/hip_briefing_templatev1.pptx
+++ b/hip_briefing_templatev1.pptx
@@ -757,7 +757,7 @@
               </a14:hiddenLine>
             </a:ext>
             <a:ext uri="{FAA26D3D-D897-4be2-8F04-BA451C77F1D7}">
-              <ma14:placeholderFlag xmlns="" xmlns:ma14="http://schemas.microsoft.com/office/mac/drawingml/2011/main" val="1"/>
+              <ma14:placeholderFlag xmlns:ma14="http://schemas.microsoft.com/office/mac/drawingml/2011/main" xmlns="" val="1"/>
             </a:ext>
           </a:extLst>
         </p:spPr>
@@ -1014,7 +1014,7 @@
               </a14:hiddenLine>
             </a:ext>
             <a:ext uri="{FAA26D3D-D897-4be2-8F04-BA451C77F1D7}">
-              <ma14:placeholderFlag xmlns="" xmlns:ma14="http://schemas.microsoft.com/office/mac/drawingml/2011/main" val="1"/>
+              <ma14:placeholderFlag xmlns:ma14="http://schemas.microsoft.com/office/mac/drawingml/2011/main" xmlns="" val="1"/>
             </a:ext>
           </a:extLst>
         </p:spPr>
@@ -1271,7 +1271,7 @@
               </a14:hiddenLine>
             </a:ext>
             <a:ext uri="{FAA26D3D-D897-4be2-8F04-BA451C77F1D7}">
-              <ma14:placeholderFlag xmlns="" xmlns:ma14="http://schemas.microsoft.com/office/mac/drawingml/2011/main" val="1"/>
+              <ma14:placeholderFlag xmlns:ma14="http://schemas.microsoft.com/office/mac/drawingml/2011/main" xmlns="" val="1"/>
             </a:ext>
           </a:extLst>
         </p:spPr>
@@ -1528,7 +1528,7 @@
               </a14:hiddenLine>
             </a:ext>
             <a:ext uri="{FAA26D3D-D897-4be2-8F04-BA451C77F1D7}">
-              <ma14:placeholderFlag xmlns="" xmlns:ma14="http://schemas.microsoft.com/office/mac/drawingml/2011/main" val="1"/>
+              <ma14:placeholderFlag xmlns:ma14="http://schemas.microsoft.com/office/mac/drawingml/2011/main" xmlns="" val="1"/>
             </a:ext>
           </a:extLst>
         </p:spPr>
@@ -3673,7 +3673,7 @@
             <a:fld id="{6511EF9E-45C9-2D4E-A5D5-5F418DF6462D}" type="datetime1">
               <a:rPr lang="en-US"/>
               <a:pPr/>
-              <a:t>12/8/2015</a:t>
+              <a:t>5/10/2016</a:t>
             </a:fld>
             <a:endParaRPr lang="en-US"/>
           </a:p>
@@ -4741,7 +4741,7 @@
         <p:spPr>
           <a:xfrm>
             <a:off x="7277100" y="4847689"/>
-            <a:ext cx="2381250" cy="338554"/>
+            <a:ext cx="1866900" cy="584775"/>
           </a:xfrm>
           <a:prstGeom prst="rect">
             <a:avLst/>
@@ -4759,7 +4759,37 @@
                 <a:latin typeface="Arial" pitchFamily="34" charset="0"/>
                 <a:cs typeface="Arial" pitchFamily="34" charset="0"/>
               </a:rPr>
-              <a:t>Mentor: Eli Baca</a:t>
+              <a:t>Mentor: Eli </a:t>
+            </a:r>
+            <a:r>
+              <a:rPr lang="en-US" sz="1600" dirty="0" smtClean="0">
+                <a:latin typeface="Arial" pitchFamily="34" charset="0"/>
+                <a:cs typeface="Arial" pitchFamily="34" charset="0"/>
+              </a:rPr>
+              <a:t>Baca</a:t>
+            </a:r>
+          </a:p>
+          <a:p>
+            <a:r>
+              <a:rPr lang="en-US" sz="1600" dirty="0" err="1" smtClean="0">
+                <a:latin typeface="Arial" pitchFamily="34" charset="0"/>
+                <a:cs typeface="Arial" pitchFamily="34" charset="0"/>
+              </a:rPr>
+              <a:t>Sumeet</a:t>
+            </a:r>
+            <a:r>
+              <a:rPr lang="en-US" sz="1600" dirty="0" smtClean="0">
+                <a:latin typeface="Arial" pitchFamily="34" charset="0"/>
+                <a:cs typeface="Arial" pitchFamily="34" charset="0"/>
+              </a:rPr>
+              <a:t> </a:t>
+            </a:r>
+            <a:r>
+              <a:rPr lang="en-US" sz="1600" dirty="0" err="1" smtClean="0">
+                <a:latin typeface="Arial" pitchFamily="34" charset="0"/>
+                <a:cs typeface="Arial" pitchFamily="34" charset="0"/>
+              </a:rPr>
+              <a:t>Ranu</a:t>
             </a:r>
             <a:endParaRPr lang="en-US" sz="1600" dirty="0">
               <a:latin typeface="Arial" pitchFamily="34" charset="0"/>
@@ -5283,7 +5313,6 @@
               <a:rPr lang="en-US" sz="2000" dirty="0" smtClean="0"/>
               <a:t>Problem Statement: </a:t>
             </a:r>
-            <a:endParaRPr lang="en-US" sz="2000" dirty="0" smtClean="0"/>
           </a:p>
           <a:p>
             <a:endParaRPr lang="en-US" sz="2000" dirty="0"/>
@@ -5293,7 +5322,6 @@
               <a:rPr lang="en-US" sz="2000" dirty="0" smtClean="0"/>
               <a:t>Build a ‘hive’ of robots with a ‘Queen’ acting as the hub for an information collection system with ‘workers’ with sensors for agricultural and data analysis uses </a:t>
             </a:r>
-            <a:endParaRPr lang="en-US" sz="2000" dirty="0" smtClean="0"/>
           </a:p>
         </p:txBody>
       </p:sp>
@@ -5387,13 +5415,8 @@
             </a:pPr>
             <a:r>
               <a:rPr lang="en-US" dirty="0" smtClean="0"/>
-              <a:t>Communication : Wi-Fi</a:t>
-            </a:r>
-            <a:r>
-              <a:rPr lang="en-US" dirty="0" smtClean="0"/>
-              <a:t>, Rf, Bluetooth </a:t>
-            </a:r>
-            <a:endParaRPr lang="en-US" dirty="0" smtClean="0"/>
+              <a:t>Communication : Wi-Fi, Rf, Bluetooth </a:t>
+            </a:r>
           </a:p>
           <a:p>
             <a:pPr marL="0" indent="0">
@@ -6714,7 +6737,6 @@
               <a:rPr lang="en-US" sz="1600" b="1" dirty="0" smtClean="0"/>
               <a:t>– Ordered Parts</a:t>
             </a:r>
-            <a:endParaRPr lang="en-US" sz="1600" b="1" dirty="0" smtClean="0"/>
           </a:p>
           <a:p>
             <a:endParaRPr lang="en-US" sz="1600" b="1" dirty="0" smtClean="0">
@@ -6739,19 +6761,8 @@
                 <a:latin typeface="Courier New" panose="02070309020205020404" pitchFamily="49" charset="0"/>
                 <a:cs typeface="Courier New" panose="02070309020205020404" pitchFamily="49" charset="0"/>
               </a:rPr>
-              <a:t> </a:t>
-            </a:r>
-            <a:r>
-              <a:rPr lang="en-US" sz="1600" b="1" dirty="0" smtClean="0">
-                <a:latin typeface="Courier New" panose="02070309020205020404" pitchFamily="49" charset="0"/>
-                <a:cs typeface="Courier New" panose="02070309020205020404" pitchFamily="49" charset="0"/>
-              </a:rPr>
-              <a:t>Wired up the Camera and took first photo </a:t>
-            </a:r>
-            <a:endParaRPr lang="en-US" sz="1600" b="1" dirty="0" smtClean="0">
-              <a:latin typeface="Courier New" panose="02070309020205020404" pitchFamily="49" charset="0"/>
-              <a:cs typeface="Courier New" panose="02070309020205020404" pitchFamily="49" charset="0"/>
-            </a:endParaRPr>
+              <a:t> Wired up the Camera and took first photo </a:t>
+            </a:r>
           </a:p>
           <a:p>
             <a:endParaRPr lang="en-US" sz="1600" b="1" dirty="0" smtClean="0">
@@ -6769,13 +6780,8 @@
             </a:r>
             <a:r>
               <a:rPr lang="en-US" sz="1600" b="1" dirty="0" smtClean="0"/>
-              <a:t>– Wired up sensors and got the code for each senso</a:t>
-            </a:r>
-            <a:r>
-              <a:rPr lang="en-US" sz="1600" b="1" dirty="0" smtClean="0"/>
-              <a:t>r developed </a:t>
-            </a:r>
-            <a:endParaRPr lang="en-US" sz="1600" b="1" dirty="0" smtClean="0"/>
+              <a:t>– Wired up sensors and got the code for each sensor developed </a:t>
+            </a:r>
           </a:p>
           <a:p>
             <a:endParaRPr lang="en-US" sz="1600" b="1" dirty="0" smtClean="0">
@@ -6793,13 +6799,8 @@
             </a:r>
             <a:r>
               <a:rPr lang="en-US" sz="1600" b="1" dirty="0" smtClean="0"/>
-              <a:t>– </a:t>
-            </a:r>
-            <a:r>
-              <a:rPr lang="en-US" sz="1600" b="1" dirty="0" smtClean="0"/>
-              <a:t>Work on transceivers working</a:t>
-            </a:r>
-            <a:endParaRPr lang="en-US" sz="1600" b="1" dirty="0" smtClean="0"/>
+              <a:t>– Work on transceivers working</a:t>
+            </a:r>
           </a:p>
           <a:p>
             <a:endParaRPr lang="en-US" sz="1600" b="1" dirty="0" smtClean="0">
